--- a/Kelompok 4/Kelompok 4.pptx
+++ b/Kelompok 4/Kelompok 4.pptx
@@ -7,13 +7,13 @@
   <p:sldIdLst>
     <p:sldId id="256" r:id="rId2"/>
     <p:sldId id="257" r:id="rId3"/>
-    <p:sldId id="262" r:id="rId4"/>
-    <p:sldId id="263" r:id="rId5"/>
-    <p:sldId id="265" r:id="rId6"/>
-    <p:sldId id="258" r:id="rId7"/>
-    <p:sldId id="260" r:id="rId8"/>
-    <p:sldId id="264" r:id="rId9"/>
-    <p:sldId id="266" r:id="rId10"/>
+    <p:sldId id="267" r:id="rId4"/>
+    <p:sldId id="262" r:id="rId5"/>
+    <p:sldId id="263" r:id="rId6"/>
+    <p:sldId id="265" r:id="rId7"/>
+    <p:sldId id="258" r:id="rId8"/>
+    <p:sldId id="260" r:id="rId9"/>
+    <p:sldId id="264" r:id="rId10"/>
     <p:sldId id="259" r:id="rId11"/>
   </p:sldIdLst>
   <p:sldSz cx="12192000" cy="6858000"/>
@@ -3860,7 +3860,7 @@
           <p:cNvPr id="2" name="Title 1">
             <a:extLst>
               <a:ext uri="{FF2B5EF4-FFF2-40B4-BE49-F238E27FC236}">
-                <a16:creationId xmlns:a16="http://schemas.microsoft.com/office/drawing/2014/main" id="{696DF1A1-8497-2FB0-2D79-EC4D4BEBEB94}"/>
+                <a16:creationId xmlns:a16="http://schemas.microsoft.com/office/drawing/2014/main" id="{2AAAC58B-09EB-C4DB-0182-0EF8B2AFDD60}"/>
               </a:ext>
             </a:extLst>
           </p:cNvPr>
@@ -3878,7 +3878,72 @@
           <a:p>
             <a:r>
               <a:rPr lang="en-US" dirty="0" err="1"/>
-              <a:t>Mamyukss</a:t>
+              <a:t>Apa</a:t>
+            </a:r>
+            <a:r>
+              <a:rPr lang="en-US" dirty="0"/>
+              <a:t> itu </a:t>
+            </a:r>
+            <a:r>
+              <a:rPr lang="en-US" dirty="0" err="1"/>
+              <a:t>Mamyuks</a:t>
+            </a:r>
+            <a:r>
+              <a:rPr lang="en-US" dirty="0"/>
+              <a:t>?</a:t>
+            </a:r>
+            <a:endParaRPr lang="en-ID" dirty="0"/>
+          </a:p>
+        </p:txBody>
+      </p:sp>
+      <p:sp>
+        <p:nvSpPr>
+          <p:cNvPr id="3" name="Content Placeholder 2">
+            <a:extLst>
+              <a:ext uri="{FF2B5EF4-FFF2-40B4-BE49-F238E27FC236}">
+                <a16:creationId xmlns:a16="http://schemas.microsoft.com/office/drawing/2014/main" id="{FFA067AA-0977-F8F1-441C-262A74036EDF}"/>
+              </a:ext>
+            </a:extLst>
+          </p:cNvPr>
+          <p:cNvSpPr>
+            <a:spLocks noGrp="1"/>
+          </p:cNvSpPr>
+          <p:nvPr>
+            <p:ph idx="1"/>
+          </p:nvPr>
+        </p:nvSpPr>
+        <p:spPr/>
+        <p:txBody>
+          <a:bodyPr/>
+          <a:lstStyle/>
+          <a:p>
+            <a:r>
+              <a:rPr lang="en-US" dirty="0" err="1"/>
+              <a:t>Mamyuks</a:t>
+            </a:r>
+            <a:r>
+              <a:rPr lang="en-US" dirty="0"/>
+              <a:t> adalah sebuah aplikasi yang </a:t>
+            </a:r>
+            <a:r>
+              <a:rPr lang="en-US" dirty="0" err="1"/>
+              <a:t>mewadahi</a:t>
+            </a:r>
+            <a:r>
+              <a:rPr lang="en-US" dirty="0"/>
+              <a:t> untuk </a:t>
+            </a:r>
+            <a:r>
+              <a:rPr lang="en-US" dirty="0" err="1"/>
+              <a:t>berdonasi</a:t>
+            </a:r>
+            <a:r>
+              <a:rPr lang="en-US" dirty="0"/>
+              <a:t> dan selain itu </a:t>
+            </a:r>
+            <a:r>
+              <a:rPr lang="en-US" dirty="0" err="1"/>
+              <a:t>bisa</a:t>
             </a:r>
             <a:r>
               <a:rPr lang="en-US" dirty="0"/>
@@ -3886,158 +3951,116 @@
             </a:r>
             <a:r>
               <a:rPr lang="en-US" dirty="0" err="1"/>
-              <a:t>Filosofi</a:t>
+              <a:t>meminta</a:t>
+            </a:r>
+            <a:r>
+              <a:rPr lang="en-US" dirty="0"/>
+              <a:t> donasi </a:t>
+            </a:r>
+            <a:r>
+              <a:rPr lang="en-US" dirty="0" err="1"/>
+              <a:t>melewati</a:t>
+            </a:r>
+            <a:r>
+              <a:rPr lang="en-US" dirty="0"/>
+              <a:t> aplikasi </a:t>
+            </a:r>
+            <a:r>
+              <a:rPr lang="en-US" dirty="0" err="1"/>
+              <a:t>mamyuks</a:t>
+            </a:r>
+            <a:r>
+              <a:rPr lang="en-US" dirty="0"/>
+              <a:t>. Selain untuk donasi dan </a:t>
+            </a:r>
+            <a:r>
+              <a:rPr lang="en-US" dirty="0" err="1"/>
+              <a:t>meminta</a:t>
+            </a:r>
+            <a:r>
+              <a:rPr lang="en-US" dirty="0"/>
+              <a:t> donasi, aplikasi </a:t>
+            </a:r>
+            <a:r>
+              <a:rPr lang="en-US" dirty="0" err="1"/>
+              <a:t>mamyuks</a:t>
+            </a:r>
+            <a:r>
+              <a:rPr lang="en-US" dirty="0"/>
+              <a:t> juga </a:t>
+            </a:r>
+            <a:r>
+              <a:rPr lang="en-US" dirty="0" err="1"/>
+              <a:t>menyediakan</a:t>
+            </a:r>
+            <a:r>
+              <a:rPr lang="en-US" dirty="0"/>
+              <a:t> </a:t>
+            </a:r>
+            <a:r>
+              <a:rPr lang="en-US" dirty="0" err="1"/>
+              <a:t>Resep</a:t>
+            </a:r>
+            <a:r>
+              <a:rPr lang="en-US" dirty="0"/>
+              <a:t> </a:t>
+            </a:r>
+            <a:r>
+              <a:rPr lang="en-US" dirty="0" err="1"/>
+              <a:t>Makanan</a:t>
+            </a:r>
+            <a:r>
+              <a:rPr lang="en-US" dirty="0"/>
+              <a:t> </a:t>
+            </a:r>
+            <a:r>
+              <a:rPr lang="en-US" dirty="0" err="1"/>
+              <a:t>Hemat</a:t>
+            </a:r>
+            <a:r>
+              <a:rPr lang="en-US" dirty="0"/>
+              <a:t>. Nah, tujuan kami membuat aplikasi ini </a:t>
+            </a:r>
+            <a:r>
+              <a:rPr lang="en-US" dirty="0" err="1"/>
+              <a:t>karena</a:t>
+            </a:r>
+            <a:r>
+              <a:rPr lang="en-US" dirty="0"/>
+              <a:t> </a:t>
+            </a:r>
+            <a:r>
+              <a:rPr lang="en-US" dirty="0" err="1"/>
+              <a:t>ingin</a:t>
+            </a:r>
+            <a:r>
+              <a:rPr lang="en-US" dirty="0"/>
+              <a:t> </a:t>
+            </a:r>
+            <a:r>
+              <a:rPr lang="en-US" dirty="0" err="1"/>
+              <a:t>membantu</a:t>
+            </a:r>
+            <a:r>
+              <a:rPr lang="en-US" dirty="0"/>
+              <a:t> orang </a:t>
+            </a:r>
+            <a:r>
+              <a:rPr lang="en-US" dirty="0" err="1"/>
+              <a:t>orang</a:t>
+            </a:r>
+            <a:r>
+              <a:rPr lang="en-US" dirty="0"/>
+              <a:t> yang membutuhkan.</a:t>
             </a:r>
             <a:endParaRPr lang="en-ID" dirty="0"/>
-          </a:p>
-        </p:txBody>
-      </p:sp>
-      <p:sp>
-        <p:nvSpPr>
-          <p:cNvPr id="3" name="Content Placeholder 2">
-            <a:extLst>
-              <a:ext uri="{FF2B5EF4-FFF2-40B4-BE49-F238E27FC236}">
-                <a16:creationId xmlns:a16="http://schemas.microsoft.com/office/drawing/2014/main" id="{BC7CCC6A-67C8-49DD-FEDA-74096BF6DAE0}"/>
-              </a:ext>
-            </a:extLst>
-          </p:cNvPr>
-          <p:cNvSpPr>
-            <a:spLocks noGrp="1"/>
-          </p:cNvSpPr>
-          <p:nvPr>
-            <p:ph idx="1"/>
-          </p:nvPr>
-        </p:nvSpPr>
-        <p:spPr/>
-        <p:txBody>
-          <a:bodyPr>
-            <a:normAutofit/>
-          </a:bodyPr>
-          <a:lstStyle/>
-          <a:p>
-            <a:r>
-              <a:rPr lang="en-ID" sz="4000" dirty="0"/>
-              <a:t>Nama MAMYUKSS di </a:t>
-            </a:r>
-            <a:r>
-              <a:rPr lang="en-ID" sz="4000" dirty="0" err="1"/>
-              <a:t>pilih</a:t>
-            </a:r>
-            <a:r>
-              <a:rPr lang="en-ID" sz="4000" dirty="0"/>
-              <a:t> </a:t>
-            </a:r>
-            <a:r>
-              <a:rPr lang="en-ID" sz="4000" dirty="0" err="1"/>
-              <a:t>karena</a:t>
-            </a:r>
-            <a:r>
-              <a:rPr lang="en-ID" sz="4000" dirty="0"/>
-              <a:t> </a:t>
-            </a:r>
-            <a:r>
-              <a:rPr lang="en-ID" sz="4000" dirty="0" err="1"/>
-              <a:t>Aplikasi</a:t>
-            </a:r>
-            <a:r>
-              <a:rPr lang="en-ID" sz="4000" dirty="0"/>
-              <a:t> </a:t>
-            </a:r>
-            <a:r>
-              <a:rPr lang="en-ID" sz="4000" dirty="0" err="1"/>
-              <a:t>ini</a:t>
-            </a:r>
-            <a:r>
-              <a:rPr lang="en-ID" sz="4000" dirty="0"/>
-              <a:t> </a:t>
-            </a:r>
-            <a:r>
-              <a:rPr lang="en-ID" sz="4000" dirty="0" err="1"/>
-              <a:t>berisi</a:t>
-            </a:r>
-            <a:r>
-              <a:rPr lang="en-ID" sz="4000" dirty="0"/>
-              <a:t> </a:t>
-            </a:r>
-            <a:r>
-              <a:rPr lang="en-ID" sz="4000" dirty="0" err="1"/>
-              <a:t>tentang</a:t>
-            </a:r>
-            <a:r>
-              <a:rPr lang="en-ID" sz="4000" dirty="0"/>
-              <a:t> </a:t>
-            </a:r>
-            <a:r>
-              <a:rPr lang="en-ID" sz="4000" dirty="0" err="1"/>
-              <a:t>makananan</a:t>
-            </a:r>
-            <a:r>
-              <a:rPr lang="en-ID" sz="4000" dirty="0"/>
-              <a:t>. dan MAM </a:t>
-            </a:r>
-            <a:r>
-              <a:rPr lang="en-ID" sz="4000" dirty="0" err="1"/>
-              <a:t>adalah</a:t>
-            </a:r>
-            <a:r>
-              <a:rPr lang="en-ID" sz="4000" dirty="0"/>
-              <a:t> </a:t>
-            </a:r>
-            <a:r>
-              <a:rPr lang="en-ID" sz="4000" dirty="0" err="1"/>
-              <a:t>bahasa</a:t>
-            </a:r>
-            <a:r>
-              <a:rPr lang="en-ID" sz="4000" dirty="0"/>
-              <a:t> </a:t>
-            </a:r>
-            <a:r>
-              <a:rPr lang="en-ID" sz="4000" dirty="0" err="1"/>
-              <a:t>indonesia</a:t>
-            </a:r>
-            <a:r>
-              <a:rPr lang="en-ID" sz="4000" dirty="0"/>
-              <a:t> yang </a:t>
-            </a:r>
-            <a:r>
-              <a:rPr lang="en-ID" sz="4000" dirty="0" err="1"/>
-              <a:t>berarti</a:t>
-            </a:r>
-            <a:r>
-              <a:rPr lang="en-ID" sz="4000" dirty="0"/>
-              <a:t> </a:t>
-            </a:r>
-            <a:r>
-              <a:rPr lang="en-ID" sz="4000" dirty="0" err="1"/>
-              <a:t>makan</a:t>
-            </a:r>
-            <a:r>
-              <a:rPr lang="en-ID" sz="4000" dirty="0"/>
-              <a:t>. </a:t>
-            </a:r>
-            <a:r>
-              <a:rPr lang="en-ID" sz="4000" dirty="0" err="1"/>
-              <a:t>jadinya</a:t>
-            </a:r>
-            <a:r>
-              <a:rPr lang="en-ID" sz="4000" dirty="0"/>
-              <a:t> MAMYUKSS </a:t>
-            </a:r>
-            <a:r>
-              <a:rPr lang="en-ID" sz="4000" dirty="0" err="1"/>
-              <a:t>hehehe</a:t>
-            </a:r>
-            <a:r>
-              <a:rPr lang="en-ID" sz="4000" dirty="0"/>
-              <a:t>......</a:t>
-            </a:r>
           </a:p>
         </p:txBody>
       </p:sp>
     </p:spTree>
     <p:extLst>
       <p:ext uri="{BB962C8B-B14F-4D97-AF65-F5344CB8AC3E}">
-        <p14:creationId xmlns:p14="http://schemas.microsoft.com/office/powerpoint/2010/main" val="3345330763"/>
+        <p14:creationId xmlns:p14="http://schemas.microsoft.com/office/powerpoint/2010/main" val="4265951982"/>
       </p:ext>
     </p:extLst>
   </p:cSld>
@@ -4069,6 +4092,215 @@
           <p:cNvPr id="2" name="Title 1">
             <a:extLst>
               <a:ext uri="{FF2B5EF4-FFF2-40B4-BE49-F238E27FC236}">
+                <a16:creationId xmlns:a16="http://schemas.microsoft.com/office/drawing/2014/main" id="{696DF1A1-8497-2FB0-2D79-EC4D4BEBEB94}"/>
+              </a:ext>
+            </a:extLst>
+          </p:cNvPr>
+          <p:cNvSpPr>
+            <a:spLocks noGrp="1"/>
+          </p:cNvSpPr>
+          <p:nvPr>
+            <p:ph type="title"/>
+          </p:nvPr>
+        </p:nvSpPr>
+        <p:spPr/>
+        <p:txBody>
+          <a:bodyPr/>
+          <a:lstStyle/>
+          <a:p>
+            <a:r>
+              <a:rPr lang="en-US" dirty="0" err="1"/>
+              <a:t>Mamyukss</a:t>
+            </a:r>
+            <a:r>
+              <a:rPr lang="en-US" dirty="0"/>
+              <a:t> </a:t>
+            </a:r>
+            <a:r>
+              <a:rPr lang="en-US" dirty="0" err="1"/>
+              <a:t>Filosofi</a:t>
+            </a:r>
+            <a:endParaRPr lang="en-ID" dirty="0"/>
+          </a:p>
+        </p:txBody>
+      </p:sp>
+      <p:sp>
+        <p:nvSpPr>
+          <p:cNvPr id="3" name="Content Placeholder 2">
+            <a:extLst>
+              <a:ext uri="{FF2B5EF4-FFF2-40B4-BE49-F238E27FC236}">
+                <a16:creationId xmlns:a16="http://schemas.microsoft.com/office/drawing/2014/main" id="{BC7CCC6A-67C8-49DD-FEDA-74096BF6DAE0}"/>
+              </a:ext>
+            </a:extLst>
+          </p:cNvPr>
+          <p:cNvSpPr>
+            <a:spLocks noGrp="1"/>
+          </p:cNvSpPr>
+          <p:nvPr>
+            <p:ph idx="1"/>
+          </p:nvPr>
+        </p:nvSpPr>
+        <p:spPr/>
+        <p:txBody>
+          <a:bodyPr>
+            <a:normAutofit/>
+          </a:bodyPr>
+          <a:lstStyle/>
+          <a:p>
+            <a:r>
+              <a:rPr lang="en-ID" sz="4000" dirty="0"/>
+              <a:t>Nama MAMYUKSS di </a:t>
+            </a:r>
+            <a:r>
+              <a:rPr lang="en-ID" sz="4000" dirty="0" err="1"/>
+              <a:t>pilih</a:t>
+            </a:r>
+            <a:r>
+              <a:rPr lang="en-ID" sz="4000" dirty="0"/>
+              <a:t> </a:t>
+            </a:r>
+            <a:r>
+              <a:rPr lang="en-ID" sz="4000" dirty="0" err="1"/>
+              <a:t>karena</a:t>
+            </a:r>
+            <a:r>
+              <a:rPr lang="en-ID" sz="4000" dirty="0"/>
+              <a:t> </a:t>
+            </a:r>
+            <a:r>
+              <a:rPr lang="en-ID" sz="4000" dirty="0" err="1"/>
+              <a:t>Aplikasi</a:t>
+            </a:r>
+            <a:r>
+              <a:rPr lang="en-ID" sz="4000" dirty="0"/>
+              <a:t> </a:t>
+            </a:r>
+            <a:r>
+              <a:rPr lang="en-ID" sz="4000" dirty="0" err="1"/>
+              <a:t>ini</a:t>
+            </a:r>
+            <a:r>
+              <a:rPr lang="en-ID" sz="4000" dirty="0"/>
+              <a:t> </a:t>
+            </a:r>
+            <a:r>
+              <a:rPr lang="en-ID" sz="4000" dirty="0" err="1"/>
+              <a:t>berisi</a:t>
+            </a:r>
+            <a:r>
+              <a:rPr lang="en-ID" sz="4000" dirty="0"/>
+              <a:t> </a:t>
+            </a:r>
+            <a:r>
+              <a:rPr lang="en-ID" sz="4000" dirty="0" err="1"/>
+              <a:t>tentang</a:t>
+            </a:r>
+            <a:r>
+              <a:rPr lang="en-ID" sz="4000" dirty="0"/>
+              <a:t> </a:t>
+            </a:r>
+            <a:r>
+              <a:rPr lang="en-ID" sz="4000" dirty="0" err="1"/>
+              <a:t>makananan</a:t>
+            </a:r>
+            <a:r>
+              <a:rPr lang="en-ID" sz="4000" dirty="0"/>
+              <a:t>. dan MAM </a:t>
+            </a:r>
+            <a:r>
+              <a:rPr lang="en-ID" sz="4000" dirty="0" err="1"/>
+              <a:t>adalah</a:t>
+            </a:r>
+            <a:r>
+              <a:rPr lang="en-ID" sz="4000" dirty="0"/>
+              <a:t> </a:t>
+            </a:r>
+            <a:r>
+              <a:rPr lang="en-ID" sz="4000" dirty="0" err="1"/>
+              <a:t>bahasa</a:t>
+            </a:r>
+            <a:r>
+              <a:rPr lang="en-ID" sz="4000" dirty="0"/>
+              <a:t> </a:t>
+            </a:r>
+            <a:r>
+              <a:rPr lang="en-ID" sz="4000" dirty="0" err="1"/>
+              <a:t>indonesia</a:t>
+            </a:r>
+            <a:r>
+              <a:rPr lang="en-ID" sz="4000" dirty="0"/>
+              <a:t> yang </a:t>
+            </a:r>
+            <a:r>
+              <a:rPr lang="en-ID" sz="4000" dirty="0" err="1"/>
+              <a:t>berarti</a:t>
+            </a:r>
+            <a:r>
+              <a:rPr lang="en-ID" sz="4000" dirty="0"/>
+              <a:t> </a:t>
+            </a:r>
+            <a:r>
+              <a:rPr lang="en-ID" sz="4000" dirty="0" err="1"/>
+              <a:t>makan</a:t>
+            </a:r>
+            <a:r>
+              <a:rPr lang="en-ID" sz="4000" dirty="0"/>
+              <a:t>. </a:t>
+            </a:r>
+            <a:r>
+              <a:rPr lang="en-ID" sz="4000" dirty="0" err="1"/>
+              <a:t>jadinya</a:t>
+            </a:r>
+            <a:r>
+              <a:rPr lang="en-ID" sz="4000" dirty="0"/>
+              <a:t> MAMYUKSS </a:t>
+            </a:r>
+            <a:r>
+              <a:rPr lang="en-ID" sz="4000" dirty="0" err="1"/>
+              <a:t>hehehe</a:t>
+            </a:r>
+            <a:r>
+              <a:rPr lang="en-ID" sz="4000" dirty="0"/>
+              <a:t>......</a:t>
+            </a:r>
+          </a:p>
+        </p:txBody>
+      </p:sp>
+    </p:spTree>
+    <p:extLst>
+      <p:ext uri="{BB962C8B-B14F-4D97-AF65-F5344CB8AC3E}">
+        <p14:creationId xmlns:p14="http://schemas.microsoft.com/office/powerpoint/2010/main" val="3345330763"/>
+      </p:ext>
+    </p:extLst>
+  </p:cSld>
+  <p:clrMapOvr>
+    <a:masterClrMapping/>
+  </p:clrMapOvr>
+</p:sld>
+</file>
+
+<file path=ppt/slides/slide5.xml><?xml version="1.0" encoding="utf-8"?>
+<p:sld xmlns:a="http://schemas.openxmlformats.org/drawingml/2006/main" xmlns:r="http://schemas.openxmlformats.org/officeDocument/2006/relationships" xmlns:p="http://schemas.openxmlformats.org/presentationml/2006/main">
+  <p:cSld>
+    <p:spTree>
+      <p:nvGrpSpPr>
+        <p:cNvPr id="1" name=""/>
+        <p:cNvGrpSpPr/>
+        <p:nvPr/>
+      </p:nvGrpSpPr>
+      <p:grpSpPr>
+        <a:xfrm>
+          <a:off x="0" y="0"/>
+          <a:ext cx="0" cy="0"/>
+          <a:chOff x="0" y="0"/>
+          <a:chExt cx="0" cy="0"/>
+        </a:xfrm>
+      </p:grpSpPr>
+      <p:sp>
+        <p:nvSpPr>
+          <p:cNvPr id="2" name="Title 1">
+            <a:extLst>
+              <a:ext uri="{FF2B5EF4-FFF2-40B4-BE49-F238E27FC236}">
                 <a16:creationId xmlns:a16="http://schemas.microsoft.com/office/drawing/2014/main" id="{CAF40135-53D9-F4B2-0133-3B6C1743A3D4}"/>
               </a:ext>
             </a:extLst>
@@ -4141,7 +4373,7 @@
 </p:sld>
 </file>
 
-<file path=ppt/slides/slide5.xml><?xml version="1.0" encoding="utf-8"?>
+<file path=ppt/slides/slide6.xml><?xml version="1.0" encoding="utf-8"?>
 <p:sld xmlns:a="http://schemas.openxmlformats.org/drawingml/2006/main" xmlns:r="http://schemas.openxmlformats.org/officeDocument/2006/relationships" xmlns:p="http://schemas.openxmlformats.org/presentationml/2006/main">
   <p:cSld>
     <p:spTree>
@@ -4267,252 +4499,6 @@
 </p:sld>
 </file>
 
-<file path=ppt/slides/slide6.xml><?xml version="1.0" encoding="utf-8"?>
-<p:sld xmlns:a="http://schemas.openxmlformats.org/drawingml/2006/main" xmlns:r="http://schemas.openxmlformats.org/officeDocument/2006/relationships" xmlns:p="http://schemas.openxmlformats.org/presentationml/2006/main">
-  <p:cSld>
-    <p:spTree>
-      <p:nvGrpSpPr>
-        <p:cNvPr id="1" name=""/>
-        <p:cNvGrpSpPr/>
-        <p:nvPr/>
-      </p:nvGrpSpPr>
-      <p:grpSpPr>
-        <a:xfrm>
-          <a:off x="0" y="0"/>
-          <a:ext cx="0" cy="0"/>
-          <a:chOff x="0" y="0"/>
-          <a:chExt cx="0" cy="0"/>
-        </a:xfrm>
-      </p:grpSpPr>
-      <p:sp>
-        <p:nvSpPr>
-          <p:cNvPr id="2" name="Title 1">
-            <a:extLst>
-              <a:ext uri="{FF2B5EF4-FFF2-40B4-BE49-F238E27FC236}">
-                <a16:creationId xmlns:a16="http://schemas.microsoft.com/office/drawing/2014/main" id="{E7FCB8C3-C305-6B56-129F-47991107A574}"/>
-              </a:ext>
-            </a:extLst>
-          </p:cNvPr>
-          <p:cNvSpPr>
-            <a:spLocks noGrp="1"/>
-          </p:cNvSpPr>
-          <p:nvPr>
-            <p:ph type="title"/>
-          </p:nvPr>
-        </p:nvSpPr>
-        <p:spPr/>
-        <p:txBody>
-          <a:bodyPr/>
-          <a:lstStyle/>
-          <a:p>
-            <a:r>
-              <a:rPr lang="en-US" dirty="0"/>
-              <a:t>Konsep Aplikasi</a:t>
-            </a:r>
-            <a:endParaRPr lang="en-ID" dirty="0"/>
-          </a:p>
-        </p:txBody>
-      </p:sp>
-      <p:sp>
-        <p:nvSpPr>
-          <p:cNvPr id="3" name="Content Placeholder 2">
-            <a:extLst>
-              <a:ext uri="{FF2B5EF4-FFF2-40B4-BE49-F238E27FC236}">
-                <a16:creationId xmlns:a16="http://schemas.microsoft.com/office/drawing/2014/main" id="{61294361-476E-D8D6-72E8-E67907687A8B}"/>
-              </a:ext>
-            </a:extLst>
-          </p:cNvPr>
-          <p:cNvSpPr>
-            <a:spLocks noGrp="1"/>
-          </p:cNvSpPr>
-          <p:nvPr>
-            <p:ph idx="1"/>
-          </p:nvPr>
-        </p:nvSpPr>
-        <p:spPr/>
-        <p:txBody>
-          <a:bodyPr/>
-          <a:lstStyle/>
-          <a:p>
-            <a:r>
-              <a:rPr lang="en-US" dirty="0"/>
-              <a:t>Class Akun</a:t>
-            </a:r>
-          </a:p>
-          <a:p>
-            <a:pPr>
-              <a:buFont typeface="Wingdings" panose="05000000000000000000" pitchFamily="2" charset="2"/>
-              <a:buChar char="q"/>
-            </a:pPr>
-            <a:r>
-              <a:rPr lang="en-US" dirty="0"/>
-              <a:t> 	Memiliki Kemampuan untuk </a:t>
-            </a:r>
-            <a:r>
-              <a:rPr lang="en-US" dirty="0" err="1"/>
-              <a:t>memberikan</a:t>
-            </a:r>
-            <a:r>
-              <a:rPr lang="en-US" dirty="0"/>
-              <a:t> donasi melalui </a:t>
-            </a:r>
-            <a:r>
-              <a:rPr lang="en-US" dirty="0" err="1"/>
-              <a:t>akses</a:t>
-            </a:r>
-            <a:r>
-              <a:rPr lang="en-US" dirty="0"/>
-              <a:t> 	kelas donasi dan </a:t>
-            </a:r>
-            <a:r>
-              <a:rPr lang="en-US" dirty="0" err="1"/>
-              <a:t>meminta</a:t>
-            </a:r>
-            <a:r>
-              <a:rPr lang="en-US" dirty="0"/>
-              <a:t> donasi melalui class Emergency Food</a:t>
-            </a:r>
-          </a:p>
-          <a:p>
-            <a:pPr>
-              <a:buFont typeface="Wingdings" panose="05000000000000000000" pitchFamily="2" charset="2"/>
-              <a:buChar char="q"/>
-            </a:pPr>
-            <a:r>
-              <a:rPr lang="en-ID" dirty="0"/>
-              <a:t> 	</a:t>
-            </a:r>
-            <a:r>
-              <a:rPr lang="en-ID" dirty="0" err="1"/>
-              <a:t>Memiliki</a:t>
-            </a:r>
-            <a:r>
-              <a:rPr lang="en-ID" dirty="0"/>
-              <a:t> </a:t>
-            </a:r>
-            <a:r>
-              <a:rPr lang="en-ID" dirty="0" err="1"/>
-              <a:t>akses</a:t>
-            </a:r>
-            <a:r>
-              <a:rPr lang="en-ID" dirty="0"/>
-              <a:t> </a:t>
-            </a:r>
-            <a:r>
-              <a:rPr lang="en-ID" dirty="0" err="1"/>
-              <a:t>untuk</a:t>
-            </a:r>
-            <a:r>
-              <a:rPr lang="en-ID" dirty="0"/>
-              <a:t> </a:t>
-            </a:r>
-            <a:r>
-              <a:rPr lang="en-ID" dirty="0" err="1"/>
-              <a:t>melihat</a:t>
-            </a:r>
-            <a:r>
-              <a:rPr lang="en-ID" dirty="0"/>
-              <a:t> </a:t>
-            </a:r>
-            <a:r>
-              <a:rPr lang="en-ID" dirty="0" err="1"/>
-              <a:t>resep</a:t>
-            </a:r>
-            <a:r>
-              <a:rPr lang="en-ID" dirty="0"/>
-              <a:t> </a:t>
-            </a:r>
-            <a:r>
-              <a:rPr lang="en-ID" dirty="0" err="1"/>
-              <a:t>makanan</a:t>
-            </a:r>
-            <a:r>
-              <a:rPr lang="en-ID" dirty="0"/>
-              <a:t> di class </a:t>
-            </a:r>
-            <a:r>
-              <a:rPr lang="en-ID" dirty="0" err="1"/>
-              <a:t>Resep</a:t>
-            </a:r>
-            <a:r>
-              <a:rPr lang="en-ID" dirty="0"/>
-              <a:t> 	</a:t>
-            </a:r>
-            <a:r>
-              <a:rPr lang="en-ID" dirty="0" err="1"/>
-              <a:t>Makanan</a:t>
-            </a:r>
-            <a:endParaRPr lang="en-ID" dirty="0"/>
-          </a:p>
-          <a:p>
-            <a:pPr>
-              <a:buFont typeface="Wingdings" panose="05000000000000000000" pitchFamily="2" charset="2"/>
-              <a:buChar char="q"/>
-            </a:pPr>
-            <a:r>
-              <a:rPr lang="en-ID" dirty="0"/>
-              <a:t> 	Bisa Login dan Logout</a:t>
-            </a:r>
-          </a:p>
-          <a:p>
-            <a:r>
-              <a:rPr lang="en-ID" dirty="0"/>
-              <a:t>Fitur Daftar </a:t>
-            </a:r>
-            <a:r>
-              <a:rPr lang="en-ID" dirty="0" err="1"/>
-              <a:t>Donasi</a:t>
-            </a:r>
-            <a:endParaRPr lang="en-ID" dirty="0"/>
-          </a:p>
-          <a:p>
-            <a:pPr>
-              <a:buFont typeface="Wingdings" panose="05000000000000000000" pitchFamily="2" charset="2"/>
-              <a:buChar char="q"/>
-            </a:pPr>
-            <a:r>
-              <a:rPr lang="en-ID" dirty="0"/>
-              <a:t> 	</a:t>
-            </a:r>
-            <a:r>
-              <a:rPr lang="en-US" dirty="0"/>
-              <a:t> Fitur ini untuk menampilkan </a:t>
-            </a:r>
-            <a:r>
-              <a:rPr lang="en-US" dirty="0" err="1"/>
-              <a:t>stok</a:t>
-            </a:r>
-            <a:r>
-              <a:rPr lang="en-US" dirty="0"/>
-              <a:t> donasi yang </a:t>
-            </a:r>
-            <a:r>
-              <a:rPr lang="en-US" dirty="0" err="1"/>
-              <a:t>tersedia</a:t>
-            </a:r>
-            <a:endParaRPr lang="en-ID" dirty="0"/>
-          </a:p>
-          <a:p>
-            <a:pPr marL="0" indent="0">
-              <a:buNone/>
-            </a:pPr>
-            <a:endParaRPr lang="en-ID" dirty="0"/>
-          </a:p>
-        </p:txBody>
-      </p:sp>
-    </p:spTree>
-    <p:extLst>
-      <p:ext uri="{BB962C8B-B14F-4D97-AF65-F5344CB8AC3E}">
-        <p14:creationId xmlns:p14="http://schemas.microsoft.com/office/powerpoint/2010/main" val="2475530645"/>
-      </p:ext>
-    </p:extLst>
-  </p:cSld>
-  <p:clrMapOvr>
-    <a:masterClrMapping/>
-  </p:clrMapOvr>
-</p:sld>
-</file>
-
 <file path=ppt/slides/slide7.xml><?xml version="1.0" encoding="utf-8"?>
 <p:sld xmlns:a="http://schemas.openxmlformats.org/drawingml/2006/main" xmlns:r="http://schemas.openxmlformats.org/officeDocument/2006/relationships" xmlns:p="http://schemas.openxmlformats.org/presentationml/2006/main">
   <p:cSld>
@@ -4535,7 +4521,7 @@
           <p:cNvPr id="2" name="Title 1">
             <a:extLst>
               <a:ext uri="{FF2B5EF4-FFF2-40B4-BE49-F238E27FC236}">
-                <a16:creationId xmlns:a16="http://schemas.microsoft.com/office/drawing/2014/main" id="{B7042D22-5BCD-E861-9571-F87F48D117B1}"/>
+                <a16:creationId xmlns:a16="http://schemas.microsoft.com/office/drawing/2014/main" id="{E7FCB8C3-C305-6B56-129F-47991107A574}"/>
               </a:ext>
             </a:extLst>
           </p:cNvPr>
@@ -4551,7 +4537,11 @@
           <a:bodyPr/>
           <a:lstStyle/>
           <a:p>
-            <a:endParaRPr lang="en-ID"/>
+            <a:r>
+              <a:rPr lang="en-US" dirty="0"/>
+              <a:t>Konsep Aplikasi</a:t>
+            </a:r>
+            <a:endParaRPr lang="en-ID" dirty="0"/>
           </a:p>
         </p:txBody>
       </p:sp>
@@ -4560,7 +4550,7 @@
           <p:cNvPr id="3" name="Content Placeholder 2">
             <a:extLst>
               <a:ext uri="{FF2B5EF4-FFF2-40B4-BE49-F238E27FC236}">
-                <a16:creationId xmlns:a16="http://schemas.microsoft.com/office/drawing/2014/main" id="{3E07293C-7364-2B47-8FA2-12165381AEFA}"/>
+                <a16:creationId xmlns:a16="http://schemas.microsoft.com/office/drawing/2014/main" id="{61294361-476E-D8D6-72E8-E67907687A8B}"/>
               </a:ext>
             </a:extLst>
           </p:cNvPr>
@@ -4578,7 +4568,7 @@
           <a:p>
             <a:r>
               <a:rPr lang="en-US" dirty="0"/>
-              <a:t>Class Donasi</a:t>
+              <a:t>Class Akun</a:t>
             </a:r>
           </a:p>
           <a:p>
@@ -4588,15 +4578,31 @@
             </a:pPr>
             <a:r>
               <a:rPr lang="en-US" dirty="0"/>
-              <a:t> 	Fitur Utama class ini sudah pasti untuk </a:t>
-            </a:r>
-            <a:r>
-              <a:rPr lang="en-US" dirty="0" err="1"/>
-              <a:t>melakukan</a:t>
-            </a:r>
-            <a:r>
-              <a:rPr lang="en-US" dirty="0"/>
-              <a:t> donasi</a:t>
+              <a:t> 	Memiliki Kemampuan untuk </a:t>
+            </a:r>
+            <a:r>
+              <a:rPr lang="en-US" dirty="0" err="1"/>
+              <a:t>memberikan</a:t>
+            </a:r>
+            <a:r>
+              <a:rPr lang="en-US" dirty="0"/>
+              <a:t> donasi melalui </a:t>
+            </a:r>
+            <a:r>
+              <a:rPr lang="en-US" dirty="0" err="1"/>
+              <a:t>akses</a:t>
+            </a:r>
+            <a:r>
+              <a:rPr lang="en-US" dirty="0"/>
+              <a:t> 	kelas donasi dan </a:t>
+            </a:r>
+            <a:r>
+              <a:rPr lang="en-US" dirty="0" err="1"/>
+              <a:t>meminta</a:t>
+            </a:r>
+            <a:r>
+              <a:rPr lang="en-US" dirty="0"/>
+              <a:t> donasi melalui class Emergency Food</a:t>
             </a:r>
           </a:p>
           <a:p>
@@ -4605,39 +4611,70 @@
               <a:buChar char="q"/>
             </a:pPr>
             <a:r>
-              <a:rPr lang="en-US" dirty="0"/>
-              <a:t> 	Donasi </a:t>
-            </a:r>
-            <a:r>
-              <a:rPr lang="en-US" dirty="0" err="1"/>
-              <a:t>bisa</a:t>
-            </a:r>
-            <a:r>
-              <a:rPr lang="en-US" dirty="0"/>
-              <a:t> Dalam beberapa </a:t>
-            </a:r>
-            <a:r>
-              <a:rPr lang="en-US" dirty="0" err="1"/>
-              <a:t>kategori</a:t>
-            </a:r>
-            <a:endParaRPr lang="en-US" dirty="0"/>
-          </a:p>
-          <a:p>
-            <a:pPr marL="0" indent="0">
-              <a:buNone/>
-            </a:pPr>
-            <a:endParaRPr lang="en-US" dirty="0"/>
-          </a:p>
-          <a:p>
-            <a:r>
-              <a:rPr lang="en-US" dirty="0"/>
-              <a:t>Class </a:t>
-            </a:r>
-            <a:r>
-              <a:rPr lang="en-US" dirty="0" err="1"/>
-              <a:t>EmergencyFood</a:t>
-            </a:r>
-            <a:endParaRPr lang="en-US" dirty="0"/>
+              <a:rPr lang="en-ID" dirty="0"/>
+              <a:t> 	</a:t>
+            </a:r>
+            <a:r>
+              <a:rPr lang="en-ID" dirty="0" err="1"/>
+              <a:t>Memiliki</a:t>
+            </a:r>
+            <a:r>
+              <a:rPr lang="en-ID" dirty="0"/>
+              <a:t> </a:t>
+            </a:r>
+            <a:r>
+              <a:rPr lang="en-ID" dirty="0" err="1"/>
+              <a:t>akses</a:t>
+            </a:r>
+            <a:r>
+              <a:rPr lang="en-ID" dirty="0"/>
+              <a:t> </a:t>
+            </a:r>
+            <a:r>
+              <a:rPr lang="en-ID" dirty="0" err="1"/>
+              <a:t>untuk</a:t>
+            </a:r>
+            <a:r>
+              <a:rPr lang="en-ID" dirty="0"/>
+              <a:t> </a:t>
+            </a:r>
+            <a:r>
+              <a:rPr lang="en-ID" dirty="0" err="1"/>
+              <a:t>melihat</a:t>
+            </a:r>
+            <a:r>
+              <a:rPr lang="en-ID" dirty="0"/>
+              <a:t> </a:t>
+            </a:r>
+            <a:r>
+              <a:rPr lang="en-ID" dirty="0" err="1"/>
+              <a:t>resep</a:t>
+            </a:r>
+            <a:r>
+              <a:rPr lang="en-ID" dirty="0"/>
+              <a:t> </a:t>
+            </a:r>
+            <a:r>
+              <a:rPr lang="en-ID" dirty="0" err="1"/>
+              <a:t>makanan</a:t>
+            </a:r>
+            <a:r>
+              <a:rPr lang="en-ID" dirty="0"/>
+              <a:t> di class </a:t>
+            </a:r>
+            <a:r>
+              <a:rPr lang="en-ID" dirty="0" err="1"/>
+              <a:t>Resep</a:t>
+            </a:r>
+            <a:r>
+              <a:rPr lang="en-ID" dirty="0"/>
+              <a:t> 	</a:t>
+            </a:r>
+            <a:r>
+              <a:rPr lang="en-ID" dirty="0" err="1"/>
+              <a:t>Makanan</a:t>
+            </a:r>
+            <a:endParaRPr lang="en-ID" dirty="0"/>
           </a:p>
           <a:p>
             <a:pPr>
@@ -4645,25 +4682,20 @@
               <a:buChar char="q"/>
             </a:pPr>
             <a:r>
-              <a:rPr lang="en-US" dirty="0"/>
-              <a:t> 	Untuk </a:t>
-            </a:r>
-            <a:r>
-              <a:rPr lang="en-US" dirty="0" err="1"/>
-              <a:t>melakukan</a:t>
-            </a:r>
-            <a:r>
-              <a:rPr lang="en-US" dirty="0"/>
-              <a:t> </a:t>
-            </a:r>
-            <a:r>
-              <a:rPr lang="en-US" dirty="0" err="1"/>
-              <a:t>permintaan</a:t>
-            </a:r>
-            <a:r>
-              <a:rPr lang="en-US" dirty="0"/>
-              <a:t> Donasi</a:t>
-            </a:r>
+              <a:rPr lang="en-ID" dirty="0"/>
+              <a:t> 	Bisa Login dan Logout</a:t>
+            </a:r>
+          </a:p>
+          <a:p>
+            <a:r>
+              <a:rPr lang="en-ID" dirty="0"/>
+              <a:t>Fitur Daftar </a:t>
+            </a:r>
+            <a:r>
+              <a:rPr lang="en-ID" dirty="0" err="1"/>
+              <a:t>Donasi</a:t>
+            </a:r>
+            <a:endParaRPr lang="en-ID" dirty="0"/>
           </a:p>
           <a:p>
             <a:pPr>
@@ -4671,76 +4703,39 @@
               <a:buChar char="q"/>
             </a:pPr>
             <a:r>
-              <a:rPr lang="en-US" dirty="0"/>
+              <a:rPr lang="en-ID" dirty="0"/>
               <a:t> 	</a:t>
             </a:r>
             <a:r>
-              <a:rPr lang="en-US" dirty="0" err="1"/>
-              <a:t>Permintaan</a:t>
-            </a:r>
-            <a:r>
-              <a:rPr lang="en-US" dirty="0"/>
-              <a:t> donasi di </a:t>
-            </a:r>
-            <a:r>
-              <a:rPr lang="en-US" dirty="0" err="1"/>
-              <a:t>tandai</a:t>
-            </a:r>
-            <a:r>
-              <a:rPr lang="en-US" dirty="0"/>
-              <a:t> dengan </a:t>
-            </a:r>
-            <a:r>
-              <a:rPr lang="en-US" dirty="0" err="1"/>
-              <a:t>idPermintaan</a:t>
-            </a:r>
-            <a:endParaRPr lang="en-US" dirty="0"/>
-          </a:p>
-          <a:p>
-            <a:pPr>
-              <a:buFont typeface="Wingdings" panose="05000000000000000000" pitchFamily="2" charset="2"/>
-              <a:buChar char="q"/>
+              <a:rPr lang="en-US" dirty="0"/>
+              <a:t> Fitur ini untuk menampilkan </a:t>
+            </a:r>
+            <a:r>
+              <a:rPr lang="en-US" dirty="0" err="1"/>
+              <a:t>stok</a:t>
+            </a:r>
+            <a:r>
+              <a:rPr lang="en-US" dirty="0"/>
+              <a:t> donasi yang </a:t>
+            </a:r>
+            <a:r>
+              <a:rPr lang="en-US" dirty="0" err="1"/>
+              <a:t>tersedia</a:t>
+            </a:r>
+            <a:endParaRPr lang="en-ID" dirty="0"/>
+          </a:p>
+          <a:p>
+            <a:pPr marL="0" indent="0">
+              <a:buNone/>
             </a:pPr>
-            <a:r>
-              <a:rPr lang="en-US" dirty="0"/>
-              <a:t> 	</a:t>
-            </a:r>
-            <a:r>
-              <a:rPr lang="en-US" dirty="0" err="1"/>
-              <a:t>Permintaan</a:t>
-            </a:r>
-            <a:r>
-              <a:rPr lang="en-US" dirty="0"/>
-              <a:t> donasi </a:t>
-            </a:r>
-            <a:r>
-              <a:rPr lang="en-US" dirty="0" err="1"/>
-              <a:t>bisa</a:t>
-            </a:r>
-            <a:r>
-              <a:rPr lang="en-US" dirty="0"/>
-              <a:t> </a:t>
-            </a:r>
-            <a:r>
-              <a:rPr lang="en-US" dirty="0" err="1"/>
-              <a:t>ada</a:t>
-            </a:r>
-            <a:r>
-              <a:rPr lang="en-US" dirty="0"/>
-              <a:t> beberapa </a:t>
-            </a:r>
-            <a:r>
-              <a:rPr lang="en-US" dirty="0" err="1"/>
-              <a:t>Kategori</a:t>
-            </a:r>
-            <a:endParaRPr lang="en-US" dirty="0"/>
+            <a:endParaRPr lang="en-ID" dirty="0"/>
           </a:p>
         </p:txBody>
       </p:sp>
     </p:spTree>
     <p:extLst>
       <p:ext uri="{BB962C8B-B14F-4D97-AF65-F5344CB8AC3E}">
-        <p14:creationId xmlns:p14="http://schemas.microsoft.com/office/powerpoint/2010/main" val="1021748974"/>
+        <p14:creationId xmlns:p14="http://schemas.microsoft.com/office/powerpoint/2010/main" val="2475530645"/>
       </p:ext>
     </p:extLst>
   </p:cSld>
@@ -4772,7 +4767,7 @@
           <p:cNvPr id="2" name="Title 1">
             <a:extLst>
               <a:ext uri="{FF2B5EF4-FFF2-40B4-BE49-F238E27FC236}">
-                <a16:creationId xmlns:a16="http://schemas.microsoft.com/office/drawing/2014/main" id="{C03D082C-90E0-5BF2-8613-4AFE4DA4AC64}"/>
+                <a16:creationId xmlns:a16="http://schemas.microsoft.com/office/drawing/2014/main" id="{B7042D22-5BCD-E861-9571-F87F48D117B1}"/>
               </a:ext>
             </a:extLst>
           </p:cNvPr>
@@ -4788,7 +4783,7 @@
           <a:bodyPr/>
           <a:lstStyle/>
           <a:p>
-            <a:endParaRPr lang="en-ID" dirty="0"/>
+            <a:endParaRPr lang="en-ID"/>
           </a:p>
         </p:txBody>
       </p:sp>
@@ -4797,7 +4792,7 @@
           <p:cNvPr id="3" name="Content Placeholder 2">
             <a:extLst>
               <a:ext uri="{FF2B5EF4-FFF2-40B4-BE49-F238E27FC236}">
-                <a16:creationId xmlns:a16="http://schemas.microsoft.com/office/drawing/2014/main" id="{D76FBCEC-0FFC-FB50-E577-1FF86A0AC398}"/>
+                <a16:creationId xmlns:a16="http://schemas.microsoft.com/office/drawing/2014/main" id="{3E07293C-7364-2B47-8FA2-12165381AEFA}"/>
               </a:ext>
             </a:extLst>
           </p:cNvPr>
@@ -4815,29 +4810,8 @@
           <a:p>
             <a:r>
               <a:rPr lang="en-US" dirty="0"/>
-              <a:t>Fitur </a:t>
-            </a:r>
-            <a:r>
-              <a:rPr lang="en-US" dirty="0" err="1"/>
-              <a:t>Melihat</a:t>
-            </a:r>
-            <a:r>
-              <a:rPr lang="en-US" dirty="0"/>
-              <a:t> </a:t>
-            </a:r>
-            <a:r>
-              <a:rPr lang="en-US" dirty="0" err="1"/>
-              <a:t>Resep</a:t>
-            </a:r>
-            <a:r>
-              <a:rPr lang="en-US" dirty="0"/>
-              <a:t> </a:t>
-            </a:r>
-            <a:r>
-              <a:rPr lang="en-US" dirty="0" err="1"/>
-              <a:t>Makanan</a:t>
-            </a:r>
-            <a:endParaRPr lang="en-US" dirty="0"/>
+              <a:t>Class Donasi</a:t>
+            </a:r>
           </a:p>
           <a:p>
             <a:pPr>
@@ -4846,21 +4820,16 @@
             </a:pPr>
             <a:r>
               <a:rPr lang="en-US" dirty="0"/>
-              <a:t> 	Fitur ini di </a:t>
-            </a:r>
-            <a:r>
-              <a:rPr lang="en-US" dirty="0" err="1"/>
-              <a:t>akses</a:t>
-            </a:r>
-            <a:r>
-              <a:rPr lang="en-US" dirty="0"/>
-              <a:t> melalui class </a:t>
-            </a:r>
-            <a:r>
-              <a:rPr lang="en-US" dirty="0" err="1"/>
-              <a:t>ResepMakanan</a:t>
-            </a:r>
-            <a:endParaRPr lang="en-US" dirty="0"/>
+              <a:t> 	Fitur Utama class ini sudah pasti untuk </a:t>
+            </a:r>
+            <a:r>
+              <a:rPr lang="en-US" dirty="0" err="1"/>
+              <a:t>melakukan</a:t>
+            </a:r>
+            <a:r>
+              <a:rPr lang="en-US" dirty="0"/>
+              <a:t> donasi</a:t>
+            </a:r>
           </a:p>
           <a:p>
             <a:pPr>
@@ -4869,19 +4838,36 @@
             </a:pPr>
             <a:r>
               <a:rPr lang="en-US" dirty="0"/>
-              <a:t> 	Bisa </a:t>
-            </a:r>
-            <a:r>
-              <a:rPr lang="en-US" dirty="0" err="1"/>
-              <a:t>Memberikan</a:t>
-            </a:r>
-            <a:r>
-              <a:rPr lang="en-US" dirty="0"/>
-              <a:t> Rating pada setiap </a:t>
-            </a:r>
-            <a:r>
-              <a:rPr lang="en-US" dirty="0" err="1"/>
-              <a:t>resepnya</a:t>
+              <a:t> 	Donasi </a:t>
+            </a:r>
+            <a:r>
+              <a:rPr lang="en-US" dirty="0" err="1"/>
+              <a:t>bisa</a:t>
+            </a:r>
+            <a:r>
+              <a:rPr lang="en-US" dirty="0"/>
+              <a:t> Dalam beberapa </a:t>
+            </a:r>
+            <a:r>
+              <a:rPr lang="en-US" dirty="0" err="1"/>
+              <a:t>kategori</a:t>
+            </a:r>
+            <a:endParaRPr lang="en-US" dirty="0"/>
+          </a:p>
+          <a:p>
+            <a:pPr marL="0" indent="0">
+              <a:buNone/>
+            </a:pPr>
+            <a:endParaRPr lang="en-US" dirty="0"/>
+          </a:p>
+          <a:p>
+            <a:r>
+              <a:rPr lang="en-US" dirty="0"/>
+              <a:t>Class </a:t>
+            </a:r>
+            <a:r>
+              <a:rPr lang="en-US" dirty="0" err="1"/>
+              <a:t>EmergencyFood</a:t>
             </a:r>
             <a:endParaRPr lang="en-US" dirty="0"/>
           </a:p>
@@ -4892,21 +4878,24 @@
             </a:pPr>
             <a:r>
               <a:rPr lang="en-US" dirty="0"/>
-              <a:t> 	Setiap </a:t>
-            </a:r>
-            <a:r>
-              <a:rPr lang="en-US" dirty="0" err="1"/>
-              <a:t>Resep</a:t>
-            </a:r>
-            <a:r>
-              <a:rPr lang="en-US" dirty="0"/>
-              <a:t> Memiliki Gambar </a:t>
-            </a:r>
-            <a:r>
-              <a:rPr lang="en-US" dirty="0" err="1"/>
-              <a:t>Makanan</a:t>
-            </a:r>
-            <a:endParaRPr lang="en-US" dirty="0"/>
+              <a:t> 	Untuk </a:t>
+            </a:r>
+            <a:r>
+              <a:rPr lang="en-US" dirty="0" err="1"/>
+              <a:t>melakukan</a:t>
+            </a:r>
+            <a:r>
+              <a:rPr lang="en-US" dirty="0"/>
+              <a:t> </a:t>
+            </a:r>
+            <a:r>
+              <a:rPr lang="en-US" dirty="0" err="1"/>
+              <a:t>permintaan</a:t>
+            </a:r>
+            <a:r>
+              <a:rPr lang="en-US" dirty="0"/>
+              <a:t> Donasi</a:t>
+            </a:r>
           </a:p>
           <a:p>
             <a:pPr>
@@ -4915,27 +4904,29 @@
             </a:pPr>
             <a:r>
               <a:rPr lang="en-US" dirty="0"/>
-              <a:t> 	terdapat daftar </a:t>
-            </a:r>
-            <a:r>
-              <a:rPr lang="en-US" dirty="0" err="1"/>
-              <a:t>bahan,alat</a:t>
-            </a:r>
-            <a:r>
-              <a:rPr lang="en-US" dirty="0"/>
-              <a:t>, dan Langkah </a:t>
-            </a:r>
-            <a:r>
-              <a:rPr lang="en-US" dirty="0" err="1"/>
-              <a:t>Langkah</a:t>
+              <a:t> 	</a:t>
+            </a:r>
+            <a:r>
+              <a:rPr lang="en-US" dirty="0" err="1"/>
+              <a:t>Permintaan</a:t>
+            </a:r>
+            <a:r>
+              <a:rPr lang="en-US" dirty="0"/>
+              <a:t> donasi di </a:t>
+            </a:r>
+            <a:r>
+              <a:rPr lang="en-US" dirty="0" err="1"/>
+              <a:t>tandai</a:t>
+            </a:r>
+            <a:r>
+              <a:rPr lang="en-US" dirty="0"/>
+              <a:t> dengan </a:t>
+            </a:r>
+            <a:r>
+              <a:rPr lang="en-US" dirty="0" err="1"/>
+              <a:t>idPermintaan</a:t>
             </a:r>
             <a:endParaRPr lang="en-US" dirty="0"/>
-          </a:p>
-          <a:p>
-            <a:r>
-              <a:rPr lang="en-US" dirty="0"/>
-              <a:t> Fitur Food Information</a:t>
-            </a:r>
           </a:p>
           <a:p>
             <a:pPr>
@@ -4944,11 +4935,19 @@
             </a:pPr>
             <a:r>
               <a:rPr lang="en-US" dirty="0"/>
-              <a:t> 	Fitur ini adalah </a:t>
-            </a:r>
-            <a:r>
-              <a:rPr lang="en-US" dirty="0" err="1"/>
-              <a:t>fitur</a:t>
+              <a:t> 	</a:t>
+            </a:r>
+            <a:r>
+              <a:rPr lang="en-US" dirty="0" err="1"/>
+              <a:t>Permintaan</a:t>
+            </a:r>
+            <a:r>
+              <a:rPr lang="en-US" dirty="0"/>
+              <a:t> donasi </a:t>
+            </a:r>
+            <a:r>
+              <a:rPr lang="en-US" dirty="0" err="1"/>
+              <a:t>bisa</a:t>
             </a:r>
             <a:r>
               <a:rPr lang="en-US" dirty="0"/>
@@ -4956,41 +4955,24 @@
             </a:r>
             <a:r>
               <a:rPr lang="en-US" dirty="0" err="1"/>
-              <a:t>pengambilan</a:t>
-            </a:r>
-            <a:r>
-              <a:rPr lang="en-US" dirty="0"/>
-              <a:t> </a:t>
-            </a:r>
-            <a:r>
-              <a:rPr lang="en-US" dirty="0" err="1"/>
-              <a:t>kupon</a:t>
-            </a:r>
-            <a:r>
-              <a:rPr lang="en-US" dirty="0"/>
-              <a:t> untuk </a:t>
-            </a:r>
-            <a:r>
-              <a:rPr lang="en-US" dirty="0" err="1"/>
-              <a:t>pengambilan</a:t>
-            </a:r>
-            <a:r>
-              <a:rPr lang="en-US" dirty="0"/>
-              <a:t> 	sebuah donasi</a:t>
-            </a:r>
-          </a:p>
-          <a:p>
-            <a:pPr marL="0" indent="0">
-              <a:buNone/>
-            </a:pPr>
-            <a:endParaRPr lang="en-ID" dirty="0"/>
+              <a:t>ada</a:t>
+            </a:r>
+            <a:r>
+              <a:rPr lang="en-US" dirty="0"/>
+              <a:t> beberapa </a:t>
+            </a:r>
+            <a:r>
+              <a:rPr lang="en-US" dirty="0" err="1"/>
+              <a:t>Kategori</a:t>
+            </a:r>
+            <a:endParaRPr lang="en-US" dirty="0"/>
           </a:p>
         </p:txBody>
       </p:sp>
     </p:spTree>
     <p:extLst>
       <p:ext uri="{BB962C8B-B14F-4D97-AF65-F5344CB8AC3E}">
-        <p14:creationId xmlns:p14="http://schemas.microsoft.com/office/powerpoint/2010/main" val="210131463"/>
+        <p14:creationId xmlns:p14="http://schemas.microsoft.com/office/powerpoint/2010/main" val="1021748974"/>
       </p:ext>
     </p:extLst>
   </p:cSld>
@@ -5022,7 +5004,7 @@
           <p:cNvPr id="2" name="Title 1">
             <a:extLst>
               <a:ext uri="{FF2B5EF4-FFF2-40B4-BE49-F238E27FC236}">
-                <a16:creationId xmlns:a16="http://schemas.microsoft.com/office/drawing/2014/main" id="{E8ADCF3F-1A3E-A32C-154E-66FE9487D202}"/>
+                <a16:creationId xmlns:a16="http://schemas.microsoft.com/office/drawing/2014/main" id="{C03D082C-90E0-5BF2-8613-4AFE4DA4AC64}"/>
               </a:ext>
             </a:extLst>
           </p:cNvPr>
@@ -5038,49 +5020,209 @@
           <a:bodyPr/>
           <a:lstStyle/>
           <a:p>
-            <a:endParaRPr lang="en-ID"/>
-          </a:p>
-        </p:txBody>
-      </p:sp>
-      <p:pic>
-        <p:nvPicPr>
-          <p:cNvPr id="5" name="Content Placeholder 4">
-            <a:extLst>
-              <a:ext uri="{FF2B5EF4-FFF2-40B4-BE49-F238E27FC236}">
-                <a16:creationId xmlns:a16="http://schemas.microsoft.com/office/drawing/2014/main" id="{232525DB-5358-3512-578C-4C3B6E13F6ED}"/>
-              </a:ext>
-            </a:extLst>
-          </p:cNvPr>
-          <p:cNvPicPr>
-            <a:picLocks noGrp="1" noChangeAspect="1"/>
-          </p:cNvPicPr>
+            <a:endParaRPr lang="en-ID" dirty="0"/>
+          </a:p>
+        </p:txBody>
+      </p:sp>
+      <p:sp>
+        <p:nvSpPr>
+          <p:cNvPr id="3" name="Content Placeholder 2">
+            <a:extLst>
+              <a:ext uri="{FF2B5EF4-FFF2-40B4-BE49-F238E27FC236}">
+                <a16:creationId xmlns:a16="http://schemas.microsoft.com/office/drawing/2014/main" id="{D76FBCEC-0FFC-FB50-E577-1FF86A0AC398}"/>
+              </a:ext>
+            </a:extLst>
+          </p:cNvPr>
+          <p:cNvSpPr>
+            <a:spLocks noGrp="1"/>
+          </p:cNvSpPr>
           <p:nvPr>
             <p:ph idx="1"/>
           </p:nvPr>
-        </p:nvPicPr>
-        <p:blipFill>
-          <a:blip r:embed="rId2">
-            <a:extLst>
-              <a:ext uri="{28A0092B-C50C-407E-A947-70E740481C1C}">
-                <a14:useLocalDpi xmlns:a14="http://schemas.microsoft.com/office/drawing/2010/main" val="0"/>
-              </a:ext>
-            </a:extLst>
-          </a:blip>
-          <a:stretch>
-            <a:fillRect/>
-          </a:stretch>
-        </p:blipFill>
-        <p:spPr>
-          <a:xfrm>
-            <a:off x="753154" y="365125"/>
-            <a:ext cx="7720286" cy="6125999"/>
-          </a:xfrm>
-        </p:spPr>
-      </p:pic>
+        </p:nvSpPr>
+        <p:spPr/>
+        <p:txBody>
+          <a:bodyPr/>
+          <a:lstStyle/>
+          <a:p>
+            <a:r>
+              <a:rPr lang="en-US" dirty="0"/>
+              <a:t>Fitur </a:t>
+            </a:r>
+            <a:r>
+              <a:rPr lang="en-US" dirty="0" err="1"/>
+              <a:t>Melihat</a:t>
+            </a:r>
+            <a:r>
+              <a:rPr lang="en-US" dirty="0"/>
+              <a:t> </a:t>
+            </a:r>
+            <a:r>
+              <a:rPr lang="en-US" dirty="0" err="1"/>
+              <a:t>Resep</a:t>
+            </a:r>
+            <a:r>
+              <a:rPr lang="en-US" dirty="0"/>
+              <a:t> </a:t>
+            </a:r>
+            <a:r>
+              <a:rPr lang="en-US" dirty="0" err="1"/>
+              <a:t>Makanan</a:t>
+            </a:r>
+            <a:endParaRPr lang="en-US" dirty="0"/>
+          </a:p>
+          <a:p>
+            <a:pPr>
+              <a:buFont typeface="Wingdings" panose="05000000000000000000" pitchFamily="2" charset="2"/>
+              <a:buChar char="q"/>
+            </a:pPr>
+            <a:r>
+              <a:rPr lang="en-US" dirty="0"/>
+              <a:t> 	Fitur ini di </a:t>
+            </a:r>
+            <a:r>
+              <a:rPr lang="en-US" dirty="0" err="1"/>
+              <a:t>akses</a:t>
+            </a:r>
+            <a:r>
+              <a:rPr lang="en-US" dirty="0"/>
+              <a:t> melalui class </a:t>
+            </a:r>
+            <a:r>
+              <a:rPr lang="en-US" dirty="0" err="1"/>
+              <a:t>ResepMakanan</a:t>
+            </a:r>
+            <a:endParaRPr lang="en-US" dirty="0"/>
+          </a:p>
+          <a:p>
+            <a:pPr>
+              <a:buFont typeface="Wingdings" panose="05000000000000000000" pitchFamily="2" charset="2"/>
+              <a:buChar char="q"/>
+            </a:pPr>
+            <a:r>
+              <a:rPr lang="en-US" dirty="0"/>
+              <a:t> 	Bisa </a:t>
+            </a:r>
+            <a:r>
+              <a:rPr lang="en-US" dirty="0" err="1"/>
+              <a:t>Memberikan</a:t>
+            </a:r>
+            <a:r>
+              <a:rPr lang="en-US" dirty="0"/>
+              <a:t> Rating pada setiap </a:t>
+            </a:r>
+            <a:r>
+              <a:rPr lang="en-US" dirty="0" err="1"/>
+              <a:t>resepnya</a:t>
+            </a:r>
+            <a:endParaRPr lang="en-US" dirty="0"/>
+          </a:p>
+          <a:p>
+            <a:pPr>
+              <a:buFont typeface="Wingdings" panose="05000000000000000000" pitchFamily="2" charset="2"/>
+              <a:buChar char="q"/>
+            </a:pPr>
+            <a:r>
+              <a:rPr lang="en-US" dirty="0"/>
+              <a:t> 	Setiap </a:t>
+            </a:r>
+            <a:r>
+              <a:rPr lang="en-US" dirty="0" err="1"/>
+              <a:t>Resep</a:t>
+            </a:r>
+            <a:r>
+              <a:rPr lang="en-US" dirty="0"/>
+              <a:t> Memiliki Gambar </a:t>
+            </a:r>
+            <a:r>
+              <a:rPr lang="en-US" dirty="0" err="1"/>
+              <a:t>Makanan</a:t>
+            </a:r>
+            <a:endParaRPr lang="en-US" dirty="0"/>
+          </a:p>
+          <a:p>
+            <a:pPr>
+              <a:buFont typeface="Wingdings" panose="05000000000000000000" pitchFamily="2" charset="2"/>
+              <a:buChar char="q"/>
+            </a:pPr>
+            <a:r>
+              <a:rPr lang="en-US" dirty="0"/>
+              <a:t> 	terdapat daftar </a:t>
+            </a:r>
+            <a:r>
+              <a:rPr lang="en-US" dirty="0" err="1"/>
+              <a:t>bahan,alat</a:t>
+            </a:r>
+            <a:r>
+              <a:rPr lang="en-US" dirty="0"/>
+              <a:t>, dan Langkah </a:t>
+            </a:r>
+            <a:r>
+              <a:rPr lang="en-US" dirty="0" err="1"/>
+              <a:t>Langkah</a:t>
+            </a:r>
+            <a:endParaRPr lang="en-US" dirty="0"/>
+          </a:p>
+          <a:p>
+            <a:r>
+              <a:rPr lang="en-US" dirty="0"/>
+              <a:t> Fitur Food Information</a:t>
+            </a:r>
+          </a:p>
+          <a:p>
+            <a:pPr>
+              <a:buFont typeface="Wingdings" panose="05000000000000000000" pitchFamily="2" charset="2"/>
+              <a:buChar char="q"/>
+            </a:pPr>
+            <a:r>
+              <a:rPr lang="en-US" dirty="0"/>
+              <a:t> 	Fitur ini adalah </a:t>
+            </a:r>
+            <a:r>
+              <a:rPr lang="en-US" dirty="0" err="1"/>
+              <a:t>fitur</a:t>
+            </a:r>
+            <a:r>
+              <a:rPr lang="en-US" dirty="0"/>
+              <a:t> </a:t>
+            </a:r>
+            <a:r>
+              <a:rPr lang="en-US" dirty="0" err="1"/>
+              <a:t>pengambilan</a:t>
+            </a:r>
+            <a:r>
+              <a:rPr lang="en-US" dirty="0"/>
+              <a:t> </a:t>
+            </a:r>
+            <a:r>
+              <a:rPr lang="en-US" dirty="0" err="1"/>
+              <a:t>kupon</a:t>
+            </a:r>
+            <a:r>
+              <a:rPr lang="en-US" dirty="0"/>
+              <a:t> untuk </a:t>
+            </a:r>
+            <a:r>
+              <a:rPr lang="en-US" dirty="0" err="1"/>
+              <a:t>pengambilan</a:t>
+            </a:r>
+            <a:r>
+              <a:rPr lang="en-US" dirty="0"/>
+              <a:t> 	sebuah donasi</a:t>
+            </a:r>
+          </a:p>
+          <a:p>
+            <a:pPr marL="0" indent="0">
+              <a:buNone/>
+            </a:pPr>
+            <a:endParaRPr lang="en-ID" dirty="0"/>
+          </a:p>
+        </p:txBody>
+      </p:sp>
     </p:spTree>
     <p:extLst>
       <p:ext uri="{BB962C8B-B14F-4D97-AF65-F5344CB8AC3E}">
-        <p14:creationId xmlns:p14="http://schemas.microsoft.com/office/powerpoint/2010/main" val="3093023055"/>
+        <p14:creationId xmlns:p14="http://schemas.microsoft.com/office/powerpoint/2010/main" val="210131463"/>
       </p:ext>
     </p:extLst>
   </p:cSld>
